--- a/presentation/airbnb_investment_Alfi.pptx
+++ b/presentation/airbnb_investment_Alfi.pptx
@@ -213,7 +213,7 @@
           <a:p>
             <a:fld id="{6E30A7A2-52CE-4CE8-B657-40A70FB231B9}" type="datetimeFigureOut">
               <a:rPr lang="en-US" smtClean="0"/>
-              <a:t>2/15/2024</a:t>
+              <a:t>2/16/2024</a:t>
             </a:fld>
             <a:endParaRPr lang="en-US"/>
           </a:p>
@@ -729,15 +729,7 @@
             </a:pPr>
             <a:r>
               <a:rPr lang="en-US" dirty="0"/>
-              <a:t>we have provided some suggestions for what regions in Austin present the highest potential for </a:t>
-            </a:r>
-            <a:r>
-              <a:rPr lang="en-US" dirty="0" err="1"/>
-              <a:t>airbnb</a:t>
-            </a:r>
-            <a:r>
-              <a:rPr lang="en-US" dirty="0"/>
-              <a:t> rentals, </a:t>
+              <a:t>Suggestions for best investment opportunities in Austin </a:t>
             </a:r>
           </a:p>
           <a:p>
@@ -747,24 +739,13 @@
             </a:pPr>
             <a:r>
               <a:rPr lang="en-US" dirty="0"/>
-              <a:t> Additionally, this work provides some data-driven suggestions for what factors have the most effect on </a:t>
+              <a:t> What factors help you boost the income from </a:t>
             </a:r>
             <a:r>
               <a:rPr lang="en-US" dirty="0" err="1"/>
               <a:t>airbnb</a:t>
             </a:r>
-            <a:r>
-              <a:rPr lang="en-US" dirty="0"/>
-              <a:t> income and what actions hosts could take to boost their </a:t>
-            </a:r>
-            <a:r>
-              <a:rPr lang="en-US" dirty="0" err="1"/>
-              <a:t>airbnb</a:t>
-            </a:r>
-            <a:r>
-              <a:rPr lang="en-US" dirty="0"/>
-              <a:t> income without having to spend too much extra.</a:t>
-            </a:r>
+            <a:endParaRPr lang="en-US" dirty="0"/>
           </a:p>
         </p:txBody>
       </p:sp>
@@ -1215,7 +1196,7 @@
           <a:p>
             <a:r>
               <a:rPr lang="en-US" dirty="0"/>
-              <a:t>Let us look at it from investment perspective.</a:t>
+              <a:t>Let us look at it from investment perspective if someone wants to buy a property for this purpose. </a:t>
             </a:r>
           </a:p>
         </p:txBody>
@@ -1582,7 +1563,7 @@
           <a:p>
             <a:fld id="{28515CD9-97C9-49C1-A5B1-21503189006A}" type="datetime1">
               <a:rPr lang="en-US" smtClean="0"/>
-              <a:t>2/15/2024</a:t>
+              <a:t>2/16/2024</a:t>
             </a:fld>
             <a:endParaRPr lang="en-US"/>
           </a:p>
@@ -1798,7 +1779,7 @@
           <a:p>
             <a:fld id="{73EA1A55-A2A1-45E2-8CEB-D1C552E44D9A}" type="datetime1">
               <a:rPr lang="en-US" smtClean="0"/>
-              <a:t>2/15/2024</a:t>
+              <a:t>2/16/2024</a:t>
             </a:fld>
             <a:endParaRPr lang="en-US"/>
           </a:p>
@@ -2014,7 +1995,7 @@
           <a:p>
             <a:fld id="{AC2CB45A-4195-43DA-8C1C-064DDEFF2502}" type="datetime1">
               <a:rPr lang="en-US" smtClean="0"/>
-              <a:t>2/15/2024</a:t>
+              <a:t>2/16/2024</a:t>
             </a:fld>
             <a:endParaRPr lang="en-US"/>
           </a:p>
@@ -2220,7 +2201,7 @@
           <a:p>
             <a:fld id="{09DA1DB0-489B-48E6-AA99-DE8C4D4FCDAF}" type="datetime1">
               <a:rPr lang="en-US" smtClean="0"/>
-              <a:t>2/15/2024</a:t>
+              <a:t>2/16/2024</a:t>
             </a:fld>
             <a:endParaRPr lang="en-US"/>
           </a:p>
@@ -2559,7 +2540,7 @@
           <a:p>
             <a:fld id="{A12BBF15-A238-4E70-A2A1-0646428A4C3F}" type="datetime1">
               <a:rPr lang="en-US" smtClean="0"/>
-              <a:t>2/15/2024</a:t>
+              <a:t>2/16/2024</a:t>
             </a:fld>
             <a:endParaRPr lang="en-US"/>
           </a:p>
@@ -2832,7 +2813,7 @@
           <a:p>
             <a:fld id="{9061937D-3576-431B-8C73-EBAB07650A69}" type="datetime1">
               <a:rPr lang="en-US" smtClean="0"/>
-              <a:t>2/15/2024</a:t>
+              <a:t>2/16/2024</a:t>
             </a:fld>
             <a:endParaRPr lang="en-US"/>
           </a:p>
@@ -3252,7 +3233,7 @@
           <a:p>
             <a:fld id="{9C567DAD-EF13-4428-87F1-2899EF766A1C}" type="datetime1">
               <a:rPr lang="en-US" smtClean="0"/>
-              <a:t>2/15/2024</a:t>
+              <a:t>2/16/2024</a:t>
             </a:fld>
             <a:endParaRPr lang="en-US"/>
           </a:p>
@@ -3401,7 +3382,7 @@
           <a:p>
             <a:fld id="{74E58CF1-9BB5-4908-8A13-8771ECA9D405}" type="datetime1">
               <a:rPr lang="en-US" smtClean="0"/>
-              <a:t>2/15/2024</a:t>
+              <a:t>2/16/2024</a:t>
             </a:fld>
             <a:endParaRPr lang="en-US"/>
           </a:p>
@@ -3522,7 +3503,7 @@
           <a:p>
             <a:fld id="{AFB4F9FC-3C49-488C-AA0D-38862CCD3566}" type="datetime1">
               <a:rPr lang="en-US" smtClean="0"/>
-              <a:t>2/15/2024</a:t>
+              <a:t>2/16/2024</a:t>
             </a:fld>
             <a:endParaRPr lang="en-US"/>
           </a:p>
@@ -3841,7 +3822,7 @@
           <a:p>
             <a:fld id="{19476F94-04D8-421F-BA91-B8748BBA9F9D}" type="datetime1">
               <a:rPr lang="en-US" smtClean="0"/>
-              <a:t>2/15/2024</a:t>
+              <a:t>2/16/2024</a:t>
             </a:fld>
             <a:endParaRPr lang="en-US"/>
           </a:p>
@@ -4137,7 +4118,7 @@
           <a:p>
             <a:fld id="{A632965D-DE1B-417B-B68C-9E1E7BBD559A}" type="datetime1">
               <a:rPr lang="en-US" smtClean="0"/>
-              <a:t>2/15/2024</a:t>
+              <a:t>2/16/2024</a:t>
             </a:fld>
             <a:endParaRPr lang="en-US"/>
           </a:p>
@@ -7101,15 +7082,7 @@
           <a:p>
             <a:r>
               <a:rPr lang="en-US" dirty="0"/>
-              <a:t>First quarter of the year </a:t>
-            </a:r>
-            <a:r>
-              <a:rPr lang="en-US" dirty="0" err="1"/>
-              <a:t>usualy</a:t>
-            </a:r>
-            <a:r>
-              <a:rPr lang="en-US" dirty="0"/>
-              <a:t> generates more income than other times.</a:t>
+              <a:t>First quarter of the year usually generates more income than other times.</a:t>
             </a:r>
           </a:p>
           <a:p>
@@ -7656,7 +7629,7 @@
           <a:p>
             <a:r>
               <a:rPr lang="en-US" b="1" dirty="0"/>
-              <a:t>Objective: </a:t>
+              <a:t>Goal: </a:t>
             </a:r>
           </a:p>
           <a:p>
@@ -8007,6 +7980,12 @@
           <a:p>
             <a:r>
               <a:rPr lang="en-US" sz="2000" dirty="0"/>
+              <a:t>Very right-skewed.</a:t>
+            </a:r>
+          </a:p>
+          <a:p>
+            <a:r>
+              <a:rPr lang="en-US" sz="2000" dirty="0"/>
               <a:t>Average = $280/night</a:t>
             </a:r>
           </a:p>
@@ -8238,8 +8217,13 @@
           <a:p>
             <a:r>
               <a:rPr lang="en-US" sz="2000" dirty="0"/>
-              <a:t>We estimated it (how?)</a:t>
-            </a:r>
+              <a:t>We </a:t>
+            </a:r>
+            <a:r>
+              <a:rPr lang="en-US" sz="2000"/>
+              <a:t>estimated it!</a:t>
+            </a:r>
+            <a:endParaRPr lang="en-US" sz="2000" dirty="0"/>
           </a:p>
           <a:p>
             <a:r>
